--- a/figures/Infographic.pptx
+++ b/figures/Infographic.pptx
@@ -115,7 +115,7 @@
 <file path=ppt/revisionInfo.xml><?xml version="1.0" encoding="utf-8"?>
 <p1510:revInfo xmlns:a="http://schemas.openxmlformats.org/drawingml/2006/main" xmlns:r="http://schemas.openxmlformats.org/officeDocument/2006/relationships" xmlns:p1510="http://schemas.microsoft.com/office/powerpoint/2015/10/main">
   <p1510:revLst>
-    <p1510:client id="{88E82137-A60A-4A28-92FD-02EBF8A34A30}" v="37" dt="2024-07-08T23:27:11.332"/>
+    <p1510:client id="{88E82137-A60A-4A28-92FD-02EBF8A34A30}" v="38" dt="2024-07-17T22:33:01.108"/>
   </p1510:revLst>
 </p1510:revInfo>
 </file>
@@ -125,12 +125,12 @@
   <pc:docChgLst>
     <pc:chgData name="Jordi Tablada" userId="dd05d932-a424-4e64-bed5-b29bb66812be" providerId="ADAL" clId="{88E82137-A60A-4A28-92FD-02EBF8A34A30}"/>
     <pc:docChg chg="undo custSel modSld">
-      <pc:chgData name="Jordi Tablada" userId="dd05d932-a424-4e64-bed5-b29bb66812be" providerId="ADAL" clId="{88E82137-A60A-4A28-92FD-02EBF8A34A30}" dt="2024-07-09T04:02:30.419" v="608" actId="20577"/>
+      <pc:chgData name="Jordi Tablada" userId="dd05d932-a424-4e64-bed5-b29bb66812be" providerId="ADAL" clId="{88E82137-A60A-4A28-92FD-02EBF8A34A30}" dt="2024-07-17T22:34:35.712" v="647" actId="20577"/>
       <pc:docMkLst>
         <pc:docMk/>
       </pc:docMkLst>
       <pc:sldChg chg="addSp delSp modSp mod">
-        <pc:chgData name="Jordi Tablada" userId="dd05d932-a424-4e64-bed5-b29bb66812be" providerId="ADAL" clId="{88E82137-A60A-4A28-92FD-02EBF8A34A30}" dt="2024-07-09T04:02:30.419" v="608" actId="20577"/>
+        <pc:chgData name="Jordi Tablada" userId="dd05d932-a424-4e64-bed5-b29bb66812be" providerId="ADAL" clId="{88E82137-A60A-4A28-92FD-02EBF8A34A30}" dt="2024-07-17T22:34:35.712" v="647" actId="20577"/>
         <pc:sldMkLst>
           <pc:docMk/>
           <pc:sldMk cId="2680956945" sldId="256"/>
@@ -152,7 +152,7 @@
           </ac:spMkLst>
         </pc:spChg>
         <pc:spChg chg="mod">
-          <ac:chgData name="Jordi Tablada" userId="dd05d932-a424-4e64-bed5-b29bb66812be" providerId="ADAL" clId="{88E82137-A60A-4A28-92FD-02EBF8A34A30}" dt="2024-07-09T00:14:03.844" v="534" actId="113"/>
+          <ac:chgData name="Jordi Tablada" userId="dd05d932-a424-4e64-bed5-b29bb66812be" providerId="ADAL" clId="{88E82137-A60A-4A28-92FD-02EBF8A34A30}" dt="2024-07-17T22:34:32.442" v="645" actId="20577"/>
           <ac:spMkLst>
             <pc:docMk/>
             <pc:sldMk cId="2680956945" sldId="256"/>
@@ -168,7 +168,7 @@
           </ac:spMkLst>
         </pc:spChg>
         <pc:spChg chg="mod">
-          <ac:chgData name="Jordi Tablada" userId="dd05d932-a424-4e64-bed5-b29bb66812be" providerId="ADAL" clId="{88E82137-A60A-4A28-92FD-02EBF8A34A30}" dt="2024-07-09T00:13:59.965" v="533" actId="113"/>
+          <ac:chgData name="Jordi Tablada" userId="dd05d932-a424-4e64-bed5-b29bb66812be" providerId="ADAL" clId="{88E82137-A60A-4A28-92FD-02EBF8A34A30}" dt="2024-07-17T22:34:35.712" v="647" actId="20577"/>
           <ac:spMkLst>
             <pc:docMk/>
             <pc:sldMk cId="2680956945" sldId="256"/>
@@ -192,7 +192,7 @@
           </ac:spMkLst>
         </pc:spChg>
         <pc:spChg chg="mod">
-          <ac:chgData name="Jordi Tablada" userId="dd05d932-a424-4e64-bed5-b29bb66812be" providerId="ADAL" clId="{88E82137-A60A-4A28-92FD-02EBF8A34A30}" dt="2024-07-08T23:11:59.980" v="190" actId="1037"/>
+          <ac:chgData name="Jordi Tablada" userId="dd05d932-a424-4e64-bed5-b29bb66812be" providerId="ADAL" clId="{88E82137-A60A-4A28-92FD-02EBF8A34A30}" dt="2024-07-17T22:33:22.102" v="618" actId="1076"/>
           <ac:spMkLst>
             <pc:docMk/>
             <pc:sldMk cId="2680956945" sldId="256"/>
@@ -263,6 +263,14 @@
             <ac:grpSpMk id="1054" creationId="{F7D926F0-6E1A-C672-14B0-DDE71DF5DFB0}"/>
           </ac:grpSpMkLst>
         </pc:grpChg>
+        <pc:picChg chg="add mod">
+          <ac:chgData name="Jordi Tablada" userId="dd05d932-a424-4e64-bed5-b29bb66812be" providerId="ADAL" clId="{88E82137-A60A-4A28-92FD-02EBF8A34A30}" dt="2024-07-17T22:34:12.989" v="643" actId="1035"/>
+          <ac:picMkLst>
+            <pc:docMk/>
+            <pc:sldMk cId="2680956945" sldId="256"/>
+            <ac:picMk id="3" creationId="{82D30E20-AC2C-1018-9558-D94DBEEC4393}"/>
+          </ac:picMkLst>
+        </pc:picChg>
         <pc:picChg chg="mod">
           <ac:chgData name="Jordi Tablada" userId="dd05d932-a424-4e64-bed5-b29bb66812be" providerId="ADAL" clId="{88E82137-A60A-4A28-92FD-02EBF8A34A30}" dt="2024-07-08T23:11:59.980" v="190" actId="1037"/>
           <ac:picMkLst>
@@ -303,8 +311,8 @@
             <ac:picMk id="1026" creationId="{B258B9BB-EB03-D39D-1986-8CE9F302A89C}"/>
           </ac:picMkLst>
         </pc:picChg>
-        <pc:picChg chg="mod">
-          <ac:chgData name="Jordi Tablada" userId="dd05d932-a424-4e64-bed5-b29bb66812be" providerId="ADAL" clId="{88E82137-A60A-4A28-92FD-02EBF8A34A30}" dt="2024-07-08T23:11:59.980" v="190" actId="1037"/>
+        <pc:picChg chg="del mod">
+          <ac:chgData name="Jordi Tablada" userId="dd05d932-a424-4e64-bed5-b29bb66812be" providerId="ADAL" clId="{88E82137-A60A-4A28-92FD-02EBF8A34A30}" dt="2024-07-17T22:31:47.854" v="609" actId="478"/>
           <ac:picMkLst>
             <pc:docMk/>
             <pc:sldMk cId="2680956945" sldId="256"/>
@@ -642,7 +650,7 @@
           <a:p>
             <a:fld id="{0E71902D-59BA-4273-8D51-FE49BD5DE747}" type="datetimeFigureOut">
               <a:rPr lang="en-NZ" smtClean="0"/>
-              <a:t>9/07/2024</a:t>
+              <a:t>18/07/2024</a:t>
             </a:fld>
             <a:endParaRPr lang="en-NZ"/>
           </a:p>
@@ -842,7 +850,7 @@
           <a:p>
             <a:fld id="{0E71902D-59BA-4273-8D51-FE49BD5DE747}" type="datetimeFigureOut">
               <a:rPr lang="en-NZ" smtClean="0"/>
-              <a:t>9/07/2024</a:t>
+              <a:t>18/07/2024</a:t>
             </a:fld>
             <a:endParaRPr lang="en-NZ"/>
           </a:p>
@@ -1052,7 +1060,7 @@
           <a:p>
             <a:fld id="{0E71902D-59BA-4273-8D51-FE49BD5DE747}" type="datetimeFigureOut">
               <a:rPr lang="en-NZ" smtClean="0"/>
-              <a:t>9/07/2024</a:t>
+              <a:t>18/07/2024</a:t>
             </a:fld>
             <a:endParaRPr lang="en-NZ"/>
           </a:p>
@@ -1252,7 +1260,7 @@
           <a:p>
             <a:fld id="{0E71902D-59BA-4273-8D51-FE49BD5DE747}" type="datetimeFigureOut">
               <a:rPr lang="en-NZ" smtClean="0"/>
-              <a:t>9/07/2024</a:t>
+              <a:t>18/07/2024</a:t>
             </a:fld>
             <a:endParaRPr lang="en-NZ"/>
           </a:p>
@@ -1528,7 +1536,7 @@
           <a:p>
             <a:fld id="{0E71902D-59BA-4273-8D51-FE49BD5DE747}" type="datetimeFigureOut">
               <a:rPr lang="en-NZ" smtClean="0"/>
-              <a:t>9/07/2024</a:t>
+              <a:t>18/07/2024</a:t>
             </a:fld>
             <a:endParaRPr lang="en-NZ"/>
           </a:p>
@@ -1796,7 +1804,7 @@
           <a:p>
             <a:fld id="{0E71902D-59BA-4273-8D51-FE49BD5DE747}" type="datetimeFigureOut">
               <a:rPr lang="en-NZ" smtClean="0"/>
-              <a:t>9/07/2024</a:t>
+              <a:t>18/07/2024</a:t>
             </a:fld>
             <a:endParaRPr lang="en-NZ"/>
           </a:p>
@@ -2211,7 +2219,7 @@
           <a:p>
             <a:fld id="{0E71902D-59BA-4273-8D51-FE49BD5DE747}" type="datetimeFigureOut">
               <a:rPr lang="en-NZ" smtClean="0"/>
-              <a:t>9/07/2024</a:t>
+              <a:t>18/07/2024</a:t>
             </a:fld>
             <a:endParaRPr lang="en-NZ"/>
           </a:p>
@@ -2353,7 +2361,7 @@
           <a:p>
             <a:fld id="{0E71902D-59BA-4273-8D51-FE49BD5DE747}" type="datetimeFigureOut">
               <a:rPr lang="en-NZ" smtClean="0"/>
-              <a:t>9/07/2024</a:t>
+              <a:t>18/07/2024</a:t>
             </a:fld>
             <a:endParaRPr lang="en-NZ"/>
           </a:p>
@@ -2466,7 +2474,7 @@
           <a:p>
             <a:fld id="{0E71902D-59BA-4273-8D51-FE49BD5DE747}" type="datetimeFigureOut">
               <a:rPr lang="en-NZ" smtClean="0"/>
-              <a:t>9/07/2024</a:t>
+              <a:t>18/07/2024</a:t>
             </a:fld>
             <a:endParaRPr lang="en-NZ"/>
           </a:p>
@@ -2779,7 +2787,7 @@
           <a:p>
             <a:fld id="{0E71902D-59BA-4273-8D51-FE49BD5DE747}" type="datetimeFigureOut">
               <a:rPr lang="en-NZ" smtClean="0"/>
-              <a:t>9/07/2024</a:t>
+              <a:t>18/07/2024</a:t>
             </a:fld>
             <a:endParaRPr lang="en-NZ"/>
           </a:p>
@@ -3068,7 +3076,7 @@
           <a:p>
             <a:fld id="{0E71902D-59BA-4273-8D51-FE49BD5DE747}" type="datetimeFigureOut">
               <a:rPr lang="en-NZ" smtClean="0"/>
-              <a:t>9/07/2024</a:t>
+              <a:t>18/07/2024</a:t>
             </a:fld>
             <a:endParaRPr lang="en-NZ"/>
           </a:p>
@@ -3311,7 +3319,7 @@
           <a:p>
             <a:fld id="{0E71902D-59BA-4273-8D51-FE49BD5DE747}" type="datetimeFigureOut">
               <a:rPr lang="en-NZ" smtClean="0"/>
-              <a:t>9/07/2024</a:t>
+              <a:t>18/07/2024</a:t>
             </a:fld>
             <a:endParaRPr lang="en-NZ"/>
           </a:p>
@@ -3898,7 +3906,7 @@
                   <a:schemeClr val="bg1"/>
                 </a:solidFill>
               </a:rPr>
-              <a:t>1. Assessing spatial relationship between fishing and targeted species</a:t>
+              <a:t>A. Assessing spatial relationship between fishing and targeted species</a:t>
             </a:r>
           </a:p>
         </p:txBody>
@@ -4119,7 +4127,7 @@
                   <a:schemeClr val="bg1"/>
                 </a:solidFill>
               </a:rPr>
-              <a:t>2. Calculating MPA and Total displaced effort index</a:t>
+              <a:t>B. Calculating MPA and Total displaced effort index</a:t>
             </a:r>
           </a:p>
         </p:txBody>
@@ -4582,42 +4590,6 @@
           </a:p>
         </p:txBody>
       </p:sp>
-      <p:pic>
-        <p:nvPicPr>
-          <p:cNvPr id="1028" name="Graphic 1027" descr="Checkmark with solid fill">
-            <a:extLst>
-              <a:ext uri="{FF2B5EF4-FFF2-40B4-BE49-F238E27FC236}">
-                <a16:creationId xmlns:a16="http://schemas.microsoft.com/office/drawing/2014/main" id="{F9A450C8-5A3F-B43F-A351-71698E31AA9B}"/>
-              </a:ext>
-            </a:extLst>
-          </p:cNvPr>
-          <p:cNvPicPr>
-            <a:picLocks noChangeAspect="1"/>
-          </p:cNvPicPr>
-          <p:nvPr/>
-        </p:nvPicPr>
-        <p:blipFill>
-          <a:blip r:embed="rId7">
-            <a:extLst>
-              <a:ext uri="{96DAC541-7B7A-43D3-8B79-37D633B846F1}">
-                <asvg:svgBlip xmlns:asvg="http://schemas.microsoft.com/office/drawing/2016/SVG/main" r:embed="rId8"/>
-              </a:ext>
-            </a:extLst>
-          </a:blip>
-          <a:stretch>
-            <a:fillRect/>
-          </a:stretch>
-        </p:blipFill>
-        <p:spPr>
-          <a:xfrm>
-            <a:off x="10315321" y="1525160"/>
-            <a:ext cx="329247" cy="329247"/>
-          </a:xfrm>
-          <a:prstGeom prst="rect">
-            <a:avLst/>
-          </a:prstGeom>
-        </p:spPr>
-      </p:pic>
       <p:cxnSp>
         <p:nvCxnSpPr>
           <p:cNvPr id="1029" name="Straight Arrow Connector 1028">
@@ -5231,7 +5203,7 @@
           <p:nvPr/>
         </p:nvPicPr>
         <p:blipFill rotWithShape="1">
-          <a:blip r:embed="rId9">
+          <a:blip r:embed="rId7">
             <a:extLst>
               <a:ext uri="{28A0092B-C50C-407E-A947-70E740481C1C}">
                 <a14:useLocalDpi xmlns:a14="http://schemas.microsoft.com/office/drawing/2010/main" val="0"/>
@@ -5273,7 +5245,7 @@
           <p:nvPr/>
         </p:nvPicPr>
         <p:blipFill rotWithShape="1">
-          <a:blip r:embed="rId10">
+          <a:blip r:embed="rId8">
             <a:extLst>
               <a:ext uri="{28A0092B-C50C-407E-A947-70E740481C1C}">
                 <a14:useLocalDpi xmlns:a14="http://schemas.microsoft.com/office/drawing/2010/main" val="0"/>
@@ -5315,7 +5287,7 @@
           <p:nvPr/>
         </p:nvPicPr>
         <p:blipFill rotWithShape="1">
-          <a:blip r:embed="rId10">
+          <a:blip r:embed="rId8">
             <a:extLst>
               <a:ext uri="{28A0092B-C50C-407E-A947-70E740481C1C}">
                 <a14:useLocalDpi xmlns:a14="http://schemas.microsoft.com/office/drawing/2010/main" val="0"/>
@@ -5357,7 +5329,7 @@
           <p:nvPr/>
         </p:nvPicPr>
         <p:blipFill rotWithShape="1">
-          <a:blip r:embed="rId9">
+          <a:blip r:embed="rId7">
             <a:extLst>
               <a:ext uri="{28A0092B-C50C-407E-A947-70E740481C1C}">
                 <a14:useLocalDpi xmlns:a14="http://schemas.microsoft.com/office/drawing/2010/main" val="0"/>
@@ -5557,7 +5529,7 @@
           <p:nvPr/>
         </p:nvPicPr>
         <p:blipFill rotWithShape="1">
-          <a:blip r:embed="rId11"/>
+          <a:blip r:embed="rId9"/>
           <a:srcRect l="30613" r="2729" b="12589"/>
           <a:stretch/>
         </p:blipFill>
@@ -5576,6 +5548,42 @@
               </a:prstClr>
             </a:outerShdw>
           </a:effectLst>
+        </p:spPr>
+      </p:pic>
+      <p:pic>
+        <p:nvPicPr>
+          <p:cNvPr id="3" name="Graphic 2" descr="Scatterplot outline">
+            <a:extLst>
+              <a:ext uri="{FF2B5EF4-FFF2-40B4-BE49-F238E27FC236}">
+                <a16:creationId xmlns:a16="http://schemas.microsoft.com/office/drawing/2014/main" id="{82D30E20-AC2C-1018-9558-D94DBEEC4393}"/>
+              </a:ext>
+            </a:extLst>
+          </p:cNvPr>
+          <p:cNvPicPr>
+            <a:picLocks noChangeAspect="1"/>
+          </p:cNvPicPr>
+          <p:nvPr/>
+        </p:nvPicPr>
+        <p:blipFill>
+          <a:blip r:embed="rId10">
+            <a:extLst>
+              <a:ext uri="{96DAC541-7B7A-43D3-8B79-37D633B846F1}">
+                <asvg:svgBlip xmlns:asvg="http://schemas.microsoft.com/office/drawing/2016/SVG/main" r:embed="rId11"/>
+              </a:ext>
+            </a:extLst>
+          </a:blip>
+          <a:stretch>
+            <a:fillRect/>
+          </a:stretch>
+        </p:blipFill>
+        <p:spPr>
+          <a:xfrm>
+            <a:off x="10274335" y="1506517"/>
+            <a:ext cx="415103" cy="415103"/>
+          </a:xfrm>
+          <a:prstGeom prst="rect">
+            <a:avLst/>
+          </a:prstGeom>
         </p:spPr>
       </p:pic>
     </p:spTree>
